--- a/2ndpresentation.pptx
+++ b/2ndpresentation.pptx
@@ -10,16 +10,19 @@
   <p:sldIdLst>
     <p:sldId id="256" r:id="rId2"/>
     <p:sldId id="268" r:id="rId3"/>
-    <p:sldId id="264" r:id="rId4"/>
-    <p:sldId id="258" r:id="rId5"/>
-    <p:sldId id="263" r:id="rId6"/>
-    <p:sldId id="267" r:id="rId7"/>
-    <p:sldId id="260" r:id="rId8"/>
-    <p:sldId id="265" r:id="rId9"/>
-    <p:sldId id="266" r:id="rId10"/>
+    <p:sldId id="266" r:id="rId4"/>
+    <p:sldId id="264" r:id="rId5"/>
+    <p:sldId id="258" r:id="rId6"/>
+    <p:sldId id="263" r:id="rId7"/>
+    <p:sldId id="267" r:id="rId8"/>
+    <p:sldId id="260" r:id="rId9"/>
+    <p:sldId id="265" r:id="rId10"/>
   </p:sldIdLst>
   <p:sldSz cx="9144000" cy="5143500" type="screen16x9"/>
   <p:notesSz cx="6858000" cy="9144000"/>
+  <p:custDataLst>
+    <p:tags r:id="rId12"/>
+  </p:custDataLst>
   <p:defaultTextStyle>
     <a:lvl1pPr marL="0" algn="l" rtl="0" latinLnBrk="0">
       <a:defRPr sz="1800" kern="1200">
@@ -116,6 +119,182 @@
 </p:presentation>
 </file>
 
+<file path=ppt/charts/chart1.xml><?xml version="1.0" encoding="utf-8"?>
+<c:chartSpace xmlns:c="http://schemas.openxmlformats.org/drawingml/2006/chart" xmlns:a="http://schemas.openxmlformats.org/drawingml/2006/main" xmlns:r="http://schemas.openxmlformats.org/officeDocument/2006/relationships">
+  <c:date1904 val="0"/>
+  <c:lang val="de-DE"/>
+  <c:roundedCorners val="0"/>
+  <mc:AlternateContent xmlns:mc="http://schemas.openxmlformats.org/markup-compatibility/2006">
+    <mc:Choice xmlns:c14="http://schemas.microsoft.com/office/drawing/2007/8/2/chart" Requires="c14">
+      <c14:style val="104"/>
+    </mc:Choice>
+    <mc:Fallback>
+      <c:style val="4"/>
+    </mc:Fallback>
+  </mc:AlternateContent>
+  <c:chart>
+    <c:autoTitleDeleted val="1"/>
+    <c:plotArea>
+      <c:layout>
+        <c:manualLayout>
+          <c:layoutTarget val="inner"/>
+          <c:xMode val="edge"/>
+          <c:yMode val="edge"/>
+          <c:x val="6.5789473684210523E-2"/>
+          <c:y val="8.8473843366981719E-2"/>
+          <c:w val="0.85540026246719159"/>
+          <c:h val="0.82023872355161498"/>
+        </c:manualLayout>
+      </c:layout>
+      <c:pieChart>
+        <c:varyColors val="1"/>
+        <c:ser>
+          <c:idx val="0"/>
+          <c:order val="0"/>
+          <c:tx>
+            <c:strRef>
+              <c:f>Tabelle1!$B$1</c:f>
+              <c:strCache>
+                <c:ptCount val="1"/>
+                <c:pt idx="0">
+                  <c:v>References</c:v>
+                </c:pt>
+              </c:strCache>
+            </c:strRef>
+          </c:tx>
+          <c:spPr>
+            <a:ln w="6350"/>
+          </c:spPr>
+          <c:dPt>
+            <c:idx val="3"/>
+            <c:bubble3D val="0"/>
+            <c:spPr>
+              <a:solidFill>
+                <a:schemeClr val="bg1">
+                  <a:lumMod val="85000"/>
+                </a:schemeClr>
+              </a:solidFill>
+              <a:ln w="6350">
+                <a:solidFill>
+                  <a:schemeClr val="tx1"/>
+                </a:solidFill>
+              </a:ln>
+            </c:spPr>
+          </c:dPt>
+          <c:dLbls>
+            <c:dLbl>
+              <c:idx val="1"/>
+              <c:layout/>
+              <c:tx>
+                <c:rich>
+                  <a:bodyPr/>
+                  <a:lstStyle/>
+                  <a:p>
+                    <a:r>
+                      <a:rPr lang="en-US" sz="1200" b="1" i="0" dirty="0"/>
+                      <a:t>COMPETITORS</a:t>
+                    </a:r>
+                    <a:endParaRPr lang="en-US" dirty="0"/>
+                  </a:p>
+                </c:rich>
+              </c:tx>
+              <c:showLegendKey val="0"/>
+              <c:showVal val="0"/>
+              <c:showCatName val="1"/>
+              <c:showSerName val="0"/>
+              <c:showPercent val="0"/>
+              <c:showBubbleSize val="0"/>
+            </c:dLbl>
+            <c:dLbl>
+              <c:idx val="3"/>
+              <c:delete val="1"/>
+            </c:dLbl>
+            <c:txPr>
+              <a:bodyPr/>
+              <a:lstStyle/>
+              <a:p>
+                <a:pPr>
+                  <a:defRPr sz="1200" b="1" i="0"/>
+                </a:pPr>
+                <a:endParaRPr lang="de-DE"/>
+              </a:p>
+            </c:txPr>
+            <c:showLegendKey val="0"/>
+            <c:showVal val="0"/>
+            <c:showCatName val="1"/>
+            <c:showSerName val="0"/>
+            <c:showPercent val="0"/>
+            <c:showBubbleSize val="0"/>
+            <c:showLeaderLines val="1"/>
+          </c:dLbls>
+          <c:cat>
+            <c:strRef>
+              <c:f>Tabelle1!$A$2:$A$4</c:f>
+              <c:strCache>
+                <c:ptCount val="3"/>
+                <c:pt idx="0">
+                  <c:v>ARTICLES, REPORT, JOURNAL,…</c:v>
+                </c:pt>
+                <c:pt idx="1">
+                  <c:v>COMPETITORS</c:v>
+                </c:pt>
+                <c:pt idx="2">
+                  <c:v>VIDEO</c:v>
+                </c:pt>
+              </c:strCache>
+            </c:strRef>
+          </c:cat>
+          <c:val>
+            <c:numRef>
+              <c:f>Tabelle1!$B$2:$B$4</c:f>
+              <c:numCache>
+                <c:formatCode>General</c:formatCode>
+                <c:ptCount val="3"/>
+                <c:pt idx="0">
+                  <c:v>45</c:v>
+                </c:pt>
+                <c:pt idx="1">
+                  <c:v>9</c:v>
+                </c:pt>
+                <c:pt idx="2">
+                  <c:v>3</c:v>
+                </c:pt>
+              </c:numCache>
+            </c:numRef>
+          </c:val>
+        </c:ser>
+        <c:dLbls>
+          <c:showLegendKey val="0"/>
+          <c:showVal val="1"/>
+          <c:showCatName val="0"/>
+          <c:showSerName val="0"/>
+          <c:showPercent val="0"/>
+          <c:showBubbleSize val="0"/>
+          <c:showLeaderLines val="1"/>
+        </c:dLbls>
+        <c:firstSliceAng val="0"/>
+      </c:pieChart>
+    </c:plotArea>
+    <c:plotVisOnly val="1"/>
+    <c:dispBlanksAs val="gap"/>
+    <c:showDLblsOverMax val="0"/>
+  </c:chart>
+  <c:txPr>
+    <a:bodyPr/>
+    <a:lstStyle/>
+    <a:p>
+      <a:pPr>
+        <a:defRPr sz="1800"/>
+      </a:pPr>
+      <a:endParaRPr lang="de-DE"/>
+    </a:p>
+  </c:txPr>
+  <c:externalData r:id="rId1">
+    <c:autoUpdate val="0"/>
+  </c:externalData>
+</c:chartSpace>
+</file>
+
 <file path=ppt/notesMasters/notesMaster1.xml><?xml version="1.0" encoding="utf-8"?>
 <p:notesMaster xmlns:a="http://schemas.openxmlformats.org/drawingml/2006/main" xmlns:r="http://schemas.openxmlformats.org/officeDocument/2006/relationships" xmlns:p="http://schemas.openxmlformats.org/presentationml/2006/main">
   <p:cSld>
@@ -201,7 +380,7 @@
             <a:fld id="{A8ADFD5B-A66C-449C-B6E8-FB716D07777D}" type="datetimeFigureOut">
               <a:rPr lang="en-US" smtClean="0"/>
               <a:pPr/>
-              <a:t>4/12/2015</a:t>
+              <a:t>4/13/2015</a:t>
             </a:fld>
             <a:endParaRPr lang="en-US"/>
           </a:p>
@@ -370,7 +549,7 @@
             <a:fld id="{CA5D3BF3-D352-46FC-8343-31F56E6730EA}" type="slidenum">
               <a:rPr lang="en-US" smtClean="0"/>
               <a:pPr/>
-              <a:t>‹#›</a:t>
+              <a:t>‹Nr.›</a:t>
             </a:fld>
             <a:endParaRPr lang="en-US"/>
           </a:p>
@@ -762,7 +941,7 @@
             <a:fld id="{CA5D3BF3-D352-46FC-8343-31F56E6730EA}" type="slidenum">
               <a:rPr lang="en-US" smtClean="0"/>
               <a:pPr/>
-              <a:t>3</a:t>
+              <a:t>4</a:t>
             </a:fld>
             <a:endParaRPr lang="en-US"/>
           </a:p>
@@ -854,7 +1033,7 @@
             <a:fld id="{CA5D3BF3-D352-46FC-8343-31F56E6730EA}" type="slidenum">
               <a:rPr lang="en-US" smtClean="0"/>
               <a:pPr/>
-              <a:t>5</a:t>
+              <a:t>6</a:t>
             </a:fld>
             <a:endParaRPr lang="en-US"/>
           </a:p>
@@ -950,7 +1129,7 @@
             <a:fld id="{CA5D3BF3-D352-46FC-8343-31F56E6730EA}" type="slidenum">
               <a:rPr lang="en-US" smtClean="0"/>
               <a:pPr/>
-              <a:t>6</a:t>
+              <a:t>7</a:t>
             </a:fld>
             <a:endParaRPr lang="en-US"/>
           </a:p>
@@ -1240,7 +1419,7 @@
                 </a:solidFill>
               </a:rPr>
               <a:pPr algn="ctr"/>
-              <a:t>4/12/2015</a:t>
+              <a:t>4/13/2015</a:t>
             </a:fld>
             <a:endParaRPr lang="en-US" sz="2000" dirty="0">
               <a:solidFill>
@@ -1324,7 +1503,7 @@
                 </a:solidFill>
               </a:rPr>
               <a:pPr/>
-              <a:t>‹#›</a:t>
+              <a:t>‹Nr.›</a:t>
             </a:fld>
             <a:endParaRPr lang="en-US" dirty="0">
               <a:solidFill>
@@ -1437,7 +1616,7 @@
             <a:fld id="{E4606EA6-EFEA-4C30-9264-4F9291A5780D}" type="datetime1">
               <a:rPr lang="en-US" smtClean="0"/>
               <a:pPr/>
-              <a:t>4/12/2015</a:t>
+              <a:t>4/13/2015</a:t>
             </a:fld>
             <a:endParaRPr lang="en-US"/>
           </a:p>
@@ -1489,7 +1668,7 @@
                 </a:solidFill>
               </a:rPr>
               <a:pPr algn="ctr"/>
-              <a:t>‹#›</a:t>
+              <a:t>‹Nr.›</a:t>
             </a:fld>
             <a:endParaRPr lang="en-US"/>
           </a:p>
@@ -1868,7 +2047,7 @@
             <a:fld id="{6FCF9F07-3BC7-4570-B054-79111B0A380C}" type="datetime1">
               <a:rPr lang="en-US" smtClean="0"/>
               <a:pPr/>
-              <a:t>4/12/2015</a:t>
+              <a:t>4/13/2015</a:t>
             </a:fld>
             <a:endParaRPr lang="en-US"/>
           </a:p>
@@ -1913,7 +2092,7 @@
                 </a:solidFill>
               </a:rPr>
               <a:pPr algn="ctr"/>
-              <a:t>‹#›</a:t>
+              <a:t>‹Nr.›</a:t>
             </a:fld>
             <a:endParaRPr lang="en-US" sz="2400" dirty="0">
               <a:solidFill>
@@ -2132,7 +2311,7 @@
             <a:fld id="{E4606EA6-EFEA-4C30-9264-4F9291A5780D}" type="datetime1">
               <a:rPr lang="en-US" smtClean="0"/>
               <a:pPr/>
-              <a:t>4/12/2015</a:t>
+              <a:t>4/13/2015</a:t>
             </a:fld>
             <a:endParaRPr lang="en-US"/>
           </a:p>
@@ -2163,7 +2342,7 @@
                 </a:solidFill>
               </a:rPr>
               <a:pPr algn="ctr"/>
-              <a:t>‹#›</a:t>
+              <a:t>‹Nr.›</a:t>
             </a:fld>
             <a:endParaRPr lang="en-US"/>
           </a:p>
@@ -2386,7 +2565,7 @@
             <a:fld id="{E4606EA6-EFEA-4C30-9264-4F9291A5780D}" type="datetime1">
               <a:rPr lang="en-US" smtClean="0"/>
               <a:pPr/>
-              <a:t>4/12/2015</a:t>
+              <a:t>4/13/2015</a:t>
             </a:fld>
             <a:endParaRPr lang="en-US"/>
           </a:p>
@@ -2417,7 +2596,7 @@
                 </a:solidFill>
               </a:rPr>
               <a:pPr algn="ctr"/>
-              <a:t>‹#›</a:t>
+              <a:t>‹Nr.›</a:t>
             </a:fld>
             <a:endParaRPr lang="en-US"/>
           </a:p>
@@ -2598,7 +2777,7 @@
             <a:fld id="{6DFADB5D-B7A0-47E3-AD2D-B1A6F8614213}" type="datetime1">
               <a:rPr lang="en-US" smtClean="0"/>
               <a:pPr/>
-              <a:t>4/12/2015</a:t>
+              <a:t>4/13/2015</a:t>
             </a:fld>
             <a:endParaRPr lang="en-US"/>
           </a:p>
@@ -2656,7 +2835,7 @@
                 </a:solidFill>
               </a:rPr>
               <a:pPr/>
-              <a:t>‹#›</a:t>
+              <a:t>‹Nr.›</a:t>
             </a:fld>
             <a:endParaRPr lang="en-US" dirty="0">
               <a:solidFill>
@@ -2675,7 +2854,7 @@
 </file>
 
 <file path=ppt/slideLayouts/slideLayout7.xml><?xml version="1.0" encoding="utf-8"?>
-<p:sldLayout xmlns:a="http://schemas.openxmlformats.org/drawingml/2006/main" xmlns:r="http://schemas.openxmlformats.org/officeDocument/2006/relationships" xmlns:p="http://schemas.openxmlformats.org/presentationml/2006/main" showMasterSp="0" type="blank" preserve="1">
+<p:sldLayout xmlns:a="http://schemas.openxmlformats.org/drawingml/2006/main" xmlns:r="http://schemas.openxmlformats.org/officeDocument/2006/relationships" xmlns:p="http://schemas.openxmlformats.org/presentationml/2006/main" showMasterSp="0" preserve="1" userDrawn="1">
   <p:cSld name="Blank">
     <p:spTree>
       <p:nvGrpSpPr>
@@ -2711,7 +2890,7 @@
             <a:fld id="{72968126-03FC-49C0-B9B8-2B561CCC3D90}" type="datetime1">
               <a:rPr lang="en-US" smtClean="0"/>
               <a:pPr/>
-              <a:t>4/12/2015</a:t>
+              <a:t>4/13/2015</a:t>
             </a:fld>
             <a:endParaRPr lang="en-US"/>
           </a:p>
@@ -2774,7 +2953,7 @@
                 </a:solidFill>
               </a:rPr>
               <a:pPr/>
-              <a:t>‹#›</a:t>
+              <a:t>‹Nr.›</a:t>
             </a:fld>
             <a:endParaRPr lang="en-US" dirty="0">
               <a:solidFill>
@@ -2863,7 +3042,7 @@
             <a:fld id="{F49A8198-4617-485E-9585-4840B69DBBA6}" type="datetime1">
               <a:rPr lang="en-US" smtClean="0"/>
               <a:pPr/>
-              <a:t>4/12/2015</a:t>
+              <a:t>4/13/2015</a:t>
             </a:fld>
             <a:endParaRPr lang="en-US"/>
           </a:p>
@@ -2921,7 +3100,7 @@
                 </a:solidFill>
               </a:rPr>
               <a:pPr/>
-              <a:t>‹#›</a:t>
+              <a:t>‹Nr.›</a:t>
             </a:fld>
             <a:endParaRPr lang="en-US" dirty="0">
               <a:solidFill>
@@ -3451,7 +3630,7 @@
             <a:fld id="{E4606EA6-EFEA-4C30-9264-4F9291A5780D}" type="datetime1">
               <a:rPr lang="en-US" smtClean="0"/>
               <a:pPr/>
-              <a:t>4/12/2015</a:t>
+              <a:t>4/13/2015</a:t>
             </a:fld>
             <a:endParaRPr lang="en-US"/>
           </a:p>
@@ -3490,7 +3669,7 @@
                 </a:solidFill>
               </a:rPr>
               <a:pPr algn="ctr"/>
-              <a:t>‹#›</a:t>
+              <a:t>‹Nr.›</a:t>
             </a:fld>
             <a:endParaRPr lang="en-US" sz="2800" dirty="0"/>
           </a:p>
@@ -3552,6 +3731,66 @@
           <a:chExt cx="0" cy="0"/>
         </a:xfrm>
       </p:grpSpPr>
+      <p:graphicFrame>
+        <p:nvGraphicFramePr>
+          <p:cNvPr id="2" name="Objekt 1" hidden="1"/>
+          <p:cNvGraphicFramePr>
+            <a:graphicFrameLocks noChangeAspect="1"/>
+          </p:cNvGraphicFramePr>
+          <p:nvPr userDrawn="1">
+            <p:custDataLst>
+              <p:tags r:id="rId12"/>
+            </p:custDataLst>
+            <p:extLst>
+              <p:ext uri="{D42A27DB-BD31-4B8C-83A1-F6EECF244321}">
+                <p14:modId xmlns:p14="http://schemas.microsoft.com/office/powerpoint/2010/main" val="2229623142"/>
+              </p:ext>
+            </p:extLst>
+          </p:nvPr>
+        </p:nvGraphicFramePr>
+        <p:xfrm>
+          <a:off x="1588" y="1588"/>
+          <a:ext cx="1587" cy="1587"/>
+        </p:xfrm>
+        <a:graphic>
+          <a:graphicData uri="http://schemas.openxmlformats.org/presentationml/2006/ole">
+            <mc:AlternateContent xmlns:mc="http://schemas.openxmlformats.org/markup-compatibility/2006">
+              <mc:Choice xmlns:v="urn:schemas-microsoft-com:vml" Requires="v">
+                <p:oleObj spid="_x0000_s1031" name="think-cell Folie" r:id="rId13" imgW="270" imgH="270" progId="TCLayout.ActiveDocument.1">
+                  <p:embed/>
+                </p:oleObj>
+              </mc:Choice>
+              <mc:Fallback>
+                <p:oleObj name="think-cell Folie" r:id="rId13" imgW="270" imgH="270" progId="TCLayout.ActiveDocument.1">
+                  <p:embed/>
+                  <p:pic>
+                    <p:nvPicPr>
+                      <p:cNvPr id="0" name=""/>
+                      <p:cNvPicPr/>
+                      <p:nvPr/>
+                    </p:nvPicPr>
+                    <p:blipFill>
+                      <a:blip r:embed="rId14"/>
+                      <a:stretch>
+                        <a:fillRect/>
+                      </a:stretch>
+                    </p:blipFill>
+                    <p:spPr>
+                      <a:xfrm>
+                        <a:off x="1588" y="1588"/>
+                        <a:ext cx="1587" cy="1587"/>
+                      </a:xfrm>
+                      <a:prstGeom prst="rect">
+                        <a:avLst/>
+                      </a:prstGeom>
+                    </p:spPr>
+                  </p:pic>
+                </p:oleObj>
+              </mc:Fallback>
+            </mc:AlternateContent>
+          </a:graphicData>
+        </a:graphic>
+      </p:graphicFrame>
       <p:sp>
         <p:nvSpPr>
           <p:cNvPr id="13" name="Text Placeholder 12"/>
@@ -3651,7 +3890,7 @@
             <a:fld id="{E4606EA6-EFEA-4C30-9264-4F9291A5780D}" type="datetime1">
               <a:rPr lang="en-US" smtClean="0"/>
               <a:pPr/>
-              <a:t>4/12/2015</a:t>
+              <a:t>4/13/2015</a:t>
             </a:fld>
             <a:endParaRPr lang="en-US" sz="1400" dirty="0">
               <a:solidFill>
@@ -3892,7 +4131,7 @@
                 </a:solidFill>
               </a:rPr>
               <a:pPr algn="ctr"/>
-              <a:t>‹#›</a:t>
+              <a:t>‹Nr.›</a:t>
             </a:fld>
             <a:endParaRPr lang="en-US" sz="1400" b="1" dirty="0">
               <a:solidFill>
@@ -5241,12 +5480,6 @@
               </a:rPr>
               <a:t>Team</a:t>
             </a:r>
-            <a:endParaRPr lang="en-US" sz="3200" dirty="0" smtClean="0">
-              <a:solidFill>
-                <a:schemeClr val="accent2"/>
-              </a:solidFill>
-              <a:latin typeface="Calibri Light" panose="020F0302020204030204" pitchFamily="34" charset="0"/>
-            </a:endParaRPr>
           </a:p>
         </p:txBody>
       </p:sp>
@@ -6360,6 +6593,809 @@
 </file>
 
 <file path=ppt/slides/slide3.xml><?xml version="1.0" encoding="utf-8"?>
+<p:sld xmlns:a="http://schemas.openxmlformats.org/drawingml/2006/main" xmlns:r="http://schemas.openxmlformats.org/officeDocument/2006/relationships" xmlns:p="http://schemas.openxmlformats.org/presentationml/2006/main">
+  <p:cSld>
+    <p:spTree>
+      <p:nvGrpSpPr>
+        <p:cNvPr id="1" name=""/>
+        <p:cNvGrpSpPr/>
+        <p:nvPr/>
+      </p:nvGrpSpPr>
+      <p:grpSpPr>
+        <a:xfrm>
+          <a:off x="0" y="0"/>
+          <a:ext cx="0" cy="0"/>
+          <a:chOff x="0" y="0"/>
+          <a:chExt cx="0" cy="0"/>
+        </a:xfrm>
+      </p:grpSpPr>
+      <p:graphicFrame>
+        <p:nvGraphicFramePr>
+          <p:cNvPr id="13" name="Objekt 12" hidden="1"/>
+          <p:cNvGraphicFramePr>
+            <a:graphicFrameLocks noChangeAspect="1"/>
+          </p:cNvGraphicFramePr>
+          <p:nvPr>
+            <p:custDataLst>
+              <p:tags r:id="rId2"/>
+            </p:custDataLst>
+            <p:extLst>
+              <p:ext uri="{D42A27DB-BD31-4B8C-83A1-F6EECF244321}">
+                <p14:modId xmlns:p14="http://schemas.microsoft.com/office/powerpoint/2010/main" val="1393913199"/>
+              </p:ext>
+            </p:extLst>
+          </p:nvPr>
+        </p:nvGraphicFramePr>
+        <p:xfrm>
+          <a:off x="1588" y="1588"/>
+          <a:ext cx="1587" cy="1587"/>
+        </p:xfrm>
+        <a:graphic>
+          <a:graphicData uri="http://schemas.openxmlformats.org/presentationml/2006/ole">
+            <mc:AlternateContent xmlns:mc="http://schemas.openxmlformats.org/markup-compatibility/2006">
+              <mc:Choice xmlns:v="urn:schemas-microsoft-com:vml" Requires="v">
+                <p:oleObj spid="_x0000_s2058" name="think-cell Folie" r:id="rId5" imgW="270" imgH="270" progId="TCLayout.ActiveDocument.1">
+                  <p:embed/>
+                </p:oleObj>
+              </mc:Choice>
+              <mc:Fallback>
+                <p:oleObj name="think-cell Folie" r:id="rId5" imgW="270" imgH="270" progId="TCLayout.ActiveDocument.1">
+                  <p:embed/>
+                  <p:pic>
+                    <p:nvPicPr>
+                      <p:cNvPr id="0" name=""/>
+                      <p:cNvPicPr/>
+                      <p:nvPr/>
+                    </p:nvPicPr>
+                    <p:blipFill>
+                      <a:blip r:embed="rId6"/>
+                      <a:stretch>
+                        <a:fillRect/>
+                      </a:stretch>
+                    </p:blipFill>
+                    <p:spPr>
+                      <a:xfrm>
+                        <a:off x="1588" y="1588"/>
+                        <a:ext cx="1587" cy="1587"/>
+                      </a:xfrm>
+                      <a:prstGeom prst="rect">
+                        <a:avLst/>
+                      </a:prstGeom>
+                    </p:spPr>
+                  </p:pic>
+                </p:oleObj>
+              </mc:Fallback>
+            </mc:AlternateContent>
+          </a:graphicData>
+        </a:graphic>
+      </p:graphicFrame>
+      <p:sp>
+        <p:nvSpPr>
+          <p:cNvPr id="7" name="Rechteck 6" hidden="1"/>
+          <p:cNvSpPr/>
+          <p:nvPr>
+            <p:custDataLst>
+              <p:tags r:id="rId3"/>
+            </p:custDataLst>
+          </p:nvPr>
+        </p:nvSpPr>
+        <p:spPr bwMode="auto">
+          <a:xfrm>
+            <a:off x="0" y="0"/>
+            <a:ext cx="158750" cy="158750"/>
+          </a:xfrm>
+          <a:prstGeom prst="rect">
+            <a:avLst/>
+          </a:prstGeom>
+          <a:solidFill>
+            <a:schemeClr val="accent1"/>
+          </a:solidFill>
+        </p:spPr>
+        <p:style>
+          <a:lnRef idx="2">
+            <a:schemeClr val="accent1">
+              <a:shade val="50000"/>
+            </a:schemeClr>
+          </a:lnRef>
+          <a:fillRef idx="1">
+            <a:schemeClr val="accent1"/>
+          </a:fillRef>
+          <a:effectRef idx="0">
+            <a:schemeClr val="accent1"/>
+          </a:effectRef>
+          <a:fontRef idx="minor">
+            <a:schemeClr val="lt1"/>
+          </a:fontRef>
+        </p:style>
+        <p:txBody>
+          <a:bodyPr wrap="none" lIns="0" tIns="0" rIns="0" bIns="0" rtlCol="0" anchor="ctr"/>
+          <a:lstStyle/>
+          <a:p>
+            <a:pPr algn="ctr">
+              <a:spcBef>
+                <a:spcPct val="0"/>
+              </a:spcBef>
+              <a:spcAft>
+                <a:spcPct val="0"/>
+              </a:spcAft>
+            </a:pPr>
+            <a:endParaRPr lang="en-US" sz="1400">
+              <a:latin typeface="Tw Cen MT"/>
+              <a:sym typeface="Tw Cen MT"/>
+            </a:endParaRPr>
+          </a:p>
+        </p:txBody>
+      </p:sp>
+      <p:grpSp>
+        <p:nvGrpSpPr>
+          <p:cNvPr id="2" name="Group 1"/>
+          <p:cNvGrpSpPr/>
+          <p:nvPr/>
+        </p:nvGrpSpPr>
+        <p:grpSpPr>
+          <a:xfrm>
+            <a:off x="0" y="0"/>
+            <a:ext cx="228600" cy="5143500"/>
+            <a:chOff x="0" y="0"/>
+            <a:chExt cx="228600" cy="5143500"/>
+          </a:xfrm>
+        </p:grpSpPr>
+        <p:sp>
+          <p:nvSpPr>
+            <p:cNvPr id="3" name="Rectangle 2"/>
+            <p:cNvSpPr/>
+            <p:nvPr/>
+          </p:nvSpPr>
+          <p:spPr>
+            <a:xfrm>
+              <a:off x="0" y="0"/>
+              <a:ext cx="228600" cy="5143500"/>
+            </a:xfrm>
+            <a:prstGeom prst="rect">
+              <a:avLst/>
+            </a:prstGeom>
+            <a:solidFill>
+              <a:srgbClr val="6DD406"/>
+            </a:solidFill>
+            <a:ln>
+              <a:noFill/>
+            </a:ln>
+          </p:spPr>
+          <p:style>
+            <a:lnRef idx="2">
+              <a:schemeClr val="accent1">
+                <a:shade val="50000"/>
+              </a:schemeClr>
+            </a:lnRef>
+            <a:fillRef idx="1">
+              <a:schemeClr val="accent1"/>
+            </a:fillRef>
+            <a:effectRef idx="0">
+              <a:schemeClr val="accent1"/>
+            </a:effectRef>
+            <a:fontRef idx="minor">
+              <a:schemeClr val="lt1"/>
+            </a:fontRef>
+          </p:style>
+          <p:txBody>
+            <a:bodyPr rtlCol="0" anchor="ctr"/>
+            <a:lstStyle/>
+            <a:p>
+              <a:pPr algn="ctr"/>
+              <a:endParaRPr lang="en-US"/>
+            </a:p>
+          </p:txBody>
+        </p:sp>
+        <p:sp>
+          <p:nvSpPr>
+            <p:cNvPr id="4" name="Rectangle 11"/>
+            <p:cNvSpPr/>
+            <p:nvPr/>
+          </p:nvSpPr>
+          <p:spPr>
+            <a:xfrm>
+              <a:off x="0" y="3180866"/>
+              <a:ext cx="228600" cy="1962634"/>
+            </a:xfrm>
+            <a:custGeom>
+              <a:avLst/>
+              <a:gdLst>
+                <a:gd name="connsiteX0" fmla="*/ 0 w 228600"/>
+                <a:gd name="connsiteY0" fmla="*/ 0 h 5143500"/>
+                <a:gd name="connsiteX1" fmla="*/ 228600 w 228600"/>
+                <a:gd name="connsiteY1" fmla="*/ 0 h 5143500"/>
+                <a:gd name="connsiteX2" fmla="*/ 228600 w 228600"/>
+                <a:gd name="connsiteY2" fmla="*/ 5143500 h 5143500"/>
+                <a:gd name="connsiteX3" fmla="*/ 0 w 228600"/>
+                <a:gd name="connsiteY3" fmla="*/ 5143500 h 5143500"/>
+                <a:gd name="connsiteX4" fmla="*/ 0 w 228600"/>
+                <a:gd name="connsiteY4" fmla="*/ 0 h 5143500"/>
+                <a:gd name="connsiteX0" fmla="*/ 0 w 239751"/>
+                <a:gd name="connsiteY0" fmla="*/ 0 h 5143500"/>
+                <a:gd name="connsiteX1" fmla="*/ 239751 w 239751"/>
+                <a:gd name="connsiteY1" fmla="*/ 959005 h 5143500"/>
+                <a:gd name="connsiteX2" fmla="*/ 228600 w 239751"/>
+                <a:gd name="connsiteY2" fmla="*/ 5143500 h 5143500"/>
+                <a:gd name="connsiteX3" fmla="*/ 0 w 239751"/>
+                <a:gd name="connsiteY3" fmla="*/ 5143500 h 5143500"/>
+                <a:gd name="connsiteX4" fmla="*/ 0 w 239751"/>
+                <a:gd name="connsiteY4" fmla="*/ 0 h 5143500"/>
+              </a:gdLst>
+              <a:ahLst/>
+              <a:cxnLst>
+                <a:cxn ang="0">
+                  <a:pos x="connsiteX0" y="connsiteY0"/>
+                </a:cxn>
+                <a:cxn ang="0">
+                  <a:pos x="connsiteX1" y="connsiteY1"/>
+                </a:cxn>
+                <a:cxn ang="0">
+                  <a:pos x="connsiteX2" y="connsiteY2"/>
+                </a:cxn>
+                <a:cxn ang="0">
+                  <a:pos x="connsiteX3" y="connsiteY3"/>
+                </a:cxn>
+                <a:cxn ang="0">
+                  <a:pos x="connsiteX4" y="connsiteY4"/>
+                </a:cxn>
+              </a:cxnLst>
+              <a:rect l="l" t="t" r="r" b="b"/>
+              <a:pathLst>
+                <a:path w="239751" h="5143500">
+                  <a:moveTo>
+                    <a:pt x="0" y="0"/>
+                  </a:moveTo>
+                  <a:lnTo>
+                    <a:pt x="239751" y="959005"/>
+                  </a:lnTo>
+                  <a:lnTo>
+                    <a:pt x="228600" y="5143500"/>
+                  </a:lnTo>
+                  <a:lnTo>
+                    <a:pt x="0" y="5143500"/>
+                  </a:lnTo>
+                  <a:lnTo>
+                    <a:pt x="0" y="0"/>
+                  </a:lnTo>
+                  <a:close/>
+                </a:path>
+              </a:pathLst>
+            </a:custGeom>
+            <a:solidFill>
+              <a:srgbClr val="5AAF05"/>
+            </a:solidFill>
+            <a:ln>
+              <a:noFill/>
+            </a:ln>
+          </p:spPr>
+          <p:style>
+            <a:lnRef idx="2">
+              <a:schemeClr val="accent1">
+                <a:shade val="50000"/>
+              </a:schemeClr>
+            </a:lnRef>
+            <a:fillRef idx="1">
+              <a:schemeClr val="accent1"/>
+            </a:fillRef>
+            <a:effectRef idx="0">
+              <a:schemeClr val="accent1"/>
+            </a:effectRef>
+            <a:fontRef idx="minor">
+              <a:schemeClr val="lt1"/>
+            </a:fontRef>
+          </p:style>
+          <p:txBody>
+            <a:bodyPr rtlCol="0" anchor="ctr"/>
+            <a:lstStyle/>
+            <a:p>
+              <a:pPr algn="ctr"/>
+              <a:endParaRPr lang="en-US"/>
+            </a:p>
+          </p:txBody>
+        </p:sp>
+      </p:grpSp>
+      <p:graphicFrame>
+        <p:nvGraphicFramePr>
+          <p:cNvPr id="22" name="Diagramm 21"/>
+          <p:cNvGraphicFramePr/>
+          <p:nvPr>
+            <p:extLst>
+              <p:ext uri="{D42A27DB-BD31-4B8C-83A1-F6EECF244321}">
+                <p14:modId xmlns:p14="http://schemas.microsoft.com/office/powerpoint/2010/main" val="1994797739"/>
+              </p:ext>
+            </p:extLst>
+          </p:nvPr>
+        </p:nvGraphicFramePr>
+        <p:xfrm>
+          <a:off x="1692665" y="1479308"/>
+          <a:ext cx="5165335" cy="2997442"/>
+        </p:xfrm>
+        <a:graphic>
+          <a:graphicData uri="http://schemas.openxmlformats.org/drawingml/2006/chart">
+            <c:chart xmlns:c="http://schemas.openxmlformats.org/drawingml/2006/chart" xmlns:r="http://schemas.openxmlformats.org/officeDocument/2006/relationships" r:id="rId7"/>
+          </a:graphicData>
+        </a:graphic>
+      </p:graphicFrame>
+      <p:pic>
+        <p:nvPicPr>
+          <p:cNvPr id="23" name="Grafik 22"/>
+          <p:cNvPicPr>
+            <a:picLocks noChangeAspect="1"/>
+          </p:cNvPicPr>
+          <p:nvPr/>
+        </p:nvPicPr>
+        <p:blipFill>
+          <a:blip r:embed="rId8">
+            <a:extLst>
+              <a:ext uri="{28A0092B-C50C-407E-A947-70E740481C1C}">
+                <a14:useLocalDpi xmlns:a14="http://schemas.microsoft.com/office/drawing/2010/main" val="0"/>
+              </a:ext>
+            </a:extLst>
+          </a:blip>
+          <a:stretch>
+            <a:fillRect/>
+          </a:stretch>
+        </p:blipFill>
+        <p:spPr>
+          <a:xfrm>
+            <a:off x="866775" y="1315357"/>
+            <a:ext cx="1676400" cy="335280"/>
+          </a:xfrm>
+          <a:prstGeom prst="rect">
+            <a:avLst/>
+          </a:prstGeom>
+        </p:spPr>
+      </p:pic>
+      <p:pic>
+        <p:nvPicPr>
+          <p:cNvPr id="24" name="Grafik 23"/>
+          <p:cNvPicPr>
+            <a:picLocks noChangeAspect="1"/>
+          </p:cNvPicPr>
+          <p:nvPr/>
+        </p:nvPicPr>
+        <p:blipFill>
+          <a:blip r:embed="rId9" cstate="print">
+            <a:extLst>
+              <a:ext uri="{28A0092B-C50C-407E-A947-70E740481C1C}">
+                <a14:useLocalDpi xmlns:a14="http://schemas.microsoft.com/office/drawing/2010/main" val="0"/>
+              </a:ext>
+            </a:extLst>
+          </a:blip>
+          <a:stretch>
+            <a:fillRect/>
+          </a:stretch>
+        </p:blipFill>
+        <p:spPr>
+          <a:xfrm>
+            <a:off x="1245568" y="2419350"/>
+            <a:ext cx="856672" cy="533400"/>
+          </a:xfrm>
+          <a:prstGeom prst="rect">
+            <a:avLst/>
+          </a:prstGeom>
+        </p:spPr>
+      </p:pic>
+      <p:pic>
+        <p:nvPicPr>
+          <p:cNvPr id="25" name="Grafik 24"/>
+          <p:cNvPicPr>
+            <a:picLocks noChangeAspect="1"/>
+          </p:cNvPicPr>
+          <p:nvPr/>
+        </p:nvPicPr>
+        <p:blipFill>
+          <a:blip r:embed="rId10">
+            <a:extLst>
+              <a:ext uri="{28A0092B-C50C-407E-A947-70E740481C1C}">
+                <a14:useLocalDpi xmlns:a14="http://schemas.microsoft.com/office/drawing/2010/main" val="0"/>
+              </a:ext>
+            </a:extLst>
+          </a:blip>
+          <a:stretch>
+            <a:fillRect/>
+          </a:stretch>
+        </p:blipFill>
+        <p:spPr>
+          <a:xfrm>
+            <a:off x="866775" y="1861794"/>
+            <a:ext cx="1724025" cy="393078"/>
+          </a:xfrm>
+          <a:prstGeom prst="rect">
+            <a:avLst/>
+          </a:prstGeom>
+        </p:spPr>
+      </p:pic>
+      <p:sp>
+        <p:nvSpPr>
+          <p:cNvPr id="26" name="TextBox 7"/>
+          <p:cNvSpPr txBox="1"/>
+          <p:nvPr/>
+        </p:nvSpPr>
+        <p:spPr>
+          <a:xfrm>
+            <a:off x="493626" y="57150"/>
+            <a:ext cx="3390901" cy="584775"/>
+          </a:xfrm>
+          <a:prstGeom prst="rect">
+            <a:avLst/>
+          </a:prstGeom>
+          <a:noFill/>
+        </p:spPr>
+        <p:txBody>
+          <a:bodyPr wrap="square" rtlCol="0">
+            <a:spAutoFit/>
+          </a:bodyPr>
+          <a:lstStyle/>
+          <a:p>
+            <a:r>
+              <a:rPr lang="en-US" sz="3200" dirty="0" smtClean="0">
+                <a:latin typeface="Calibri Light" panose="020F0302020204030204" pitchFamily="34" charset="0"/>
+              </a:rPr>
+              <a:t>Our </a:t>
+            </a:r>
+            <a:r>
+              <a:rPr lang="en-US" sz="3200" b="1" dirty="0" smtClean="0">
+                <a:solidFill>
+                  <a:schemeClr val="accent2"/>
+                </a:solidFill>
+                <a:latin typeface="Calibri Light" panose="020F0302020204030204" pitchFamily="34" charset="0"/>
+              </a:rPr>
+              <a:t>advances</a:t>
+            </a:r>
+            <a:endParaRPr lang="en-US" sz="3200" dirty="0" smtClean="0">
+              <a:latin typeface="Calibri Light" panose="020F0302020204030204" pitchFamily="34" charset="0"/>
+            </a:endParaRPr>
+          </a:p>
+        </p:txBody>
+      </p:sp>
+      <p:pic>
+        <p:nvPicPr>
+          <p:cNvPr id="31" name="Grafik 30"/>
+          <p:cNvPicPr>
+            <a:picLocks noChangeAspect="1"/>
+          </p:cNvPicPr>
+          <p:nvPr/>
+        </p:nvPicPr>
+        <p:blipFill>
+          <a:blip r:embed="rId11" cstate="print">
+            <a:extLst>
+              <a:ext uri="{28A0092B-C50C-407E-A947-70E740481C1C}">
+                <a14:useLocalDpi xmlns:a14="http://schemas.microsoft.com/office/drawing/2010/main" val="0"/>
+              </a:ext>
+            </a:extLst>
+          </a:blip>
+          <a:stretch>
+            <a:fillRect/>
+          </a:stretch>
+        </p:blipFill>
+        <p:spPr>
+          <a:xfrm>
+            <a:off x="6970486" y="1782365"/>
+            <a:ext cx="1676400" cy="394660"/>
+          </a:xfrm>
+          <a:prstGeom prst="rect">
+            <a:avLst/>
+          </a:prstGeom>
+        </p:spPr>
+      </p:pic>
+      <p:pic>
+        <p:nvPicPr>
+          <p:cNvPr id="32" name="Grafik 31"/>
+          <p:cNvPicPr>
+            <a:picLocks noChangeAspect="1"/>
+          </p:cNvPicPr>
+          <p:nvPr/>
+        </p:nvPicPr>
+        <p:blipFill>
+          <a:blip r:embed="rId12">
+            <a:extLst>
+              <a:ext uri="{28A0092B-C50C-407E-A947-70E740481C1C}">
+                <a14:useLocalDpi xmlns:a14="http://schemas.microsoft.com/office/drawing/2010/main" val="0"/>
+              </a:ext>
+            </a:extLst>
+          </a:blip>
+          <a:stretch>
+            <a:fillRect/>
+          </a:stretch>
+        </p:blipFill>
+        <p:spPr>
+          <a:xfrm>
+            <a:off x="7318181" y="2190582"/>
+            <a:ext cx="1529963" cy="835440"/>
+          </a:xfrm>
+          <a:prstGeom prst="rect">
+            <a:avLst/>
+          </a:prstGeom>
+        </p:spPr>
+      </p:pic>
+      <p:pic>
+        <p:nvPicPr>
+          <p:cNvPr id="33" name="Grafik 32"/>
+          <p:cNvPicPr>
+            <a:picLocks noChangeAspect="1"/>
+          </p:cNvPicPr>
+          <p:nvPr/>
+        </p:nvPicPr>
+        <p:blipFill>
+          <a:blip r:embed="rId13">
+            <a:extLst>
+              <a:ext uri="{28A0092B-C50C-407E-A947-70E740481C1C}">
+                <a14:useLocalDpi xmlns:a14="http://schemas.microsoft.com/office/drawing/2010/main" val="0"/>
+              </a:ext>
+            </a:extLst>
+          </a:blip>
+          <a:stretch>
+            <a:fillRect/>
+          </a:stretch>
+        </p:blipFill>
+        <p:spPr>
+          <a:xfrm>
+            <a:off x="6365394" y="2578317"/>
+            <a:ext cx="952787" cy="952787"/>
+          </a:xfrm>
+          <a:prstGeom prst="rect">
+            <a:avLst/>
+          </a:prstGeom>
+        </p:spPr>
+      </p:pic>
+      <p:pic>
+        <p:nvPicPr>
+          <p:cNvPr id="34" name="Grafik 33"/>
+          <p:cNvPicPr>
+            <a:picLocks noChangeAspect="1"/>
+          </p:cNvPicPr>
+          <p:nvPr/>
+        </p:nvPicPr>
+        <p:blipFill>
+          <a:blip r:embed="rId14">
+            <a:extLst>
+              <a:ext uri="{28A0092B-C50C-407E-A947-70E740481C1C}">
+                <a14:useLocalDpi xmlns:a14="http://schemas.microsoft.com/office/drawing/2010/main" val="0"/>
+              </a:ext>
+            </a:extLst>
+          </a:blip>
+          <a:stretch>
+            <a:fillRect/>
+          </a:stretch>
+        </p:blipFill>
+        <p:spPr>
+          <a:xfrm>
+            <a:off x="7447209" y="3334884"/>
+            <a:ext cx="1400935" cy="693463"/>
+          </a:xfrm>
+          <a:prstGeom prst="rect">
+            <a:avLst/>
+          </a:prstGeom>
+        </p:spPr>
+      </p:pic>
+      <p:pic>
+        <p:nvPicPr>
+          <p:cNvPr id="35" name="Grafik 34"/>
+          <p:cNvPicPr>
+            <a:picLocks noChangeAspect="1"/>
+          </p:cNvPicPr>
+          <p:nvPr/>
+        </p:nvPicPr>
+        <p:blipFill>
+          <a:blip r:embed="rId15" cstate="print">
+            <a:extLst>
+              <a:ext uri="{28A0092B-C50C-407E-A947-70E740481C1C}">
+                <a14:useLocalDpi xmlns:a14="http://schemas.microsoft.com/office/drawing/2010/main" val="0"/>
+              </a:ext>
+            </a:extLst>
+          </a:blip>
+          <a:stretch>
+            <a:fillRect/>
+          </a:stretch>
+        </p:blipFill>
+        <p:spPr>
+          <a:xfrm>
+            <a:off x="2874877" y="436092"/>
+            <a:ext cx="2019300" cy="999553"/>
+          </a:xfrm>
+          <a:prstGeom prst="rect">
+            <a:avLst/>
+          </a:prstGeom>
+        </p:spPr>
+      </p:pic>
+      <p:pic>
+        <p:nvPicPr>
+          <p:cNvPr id="36" name="Grafik 35"/>
+          <p:cNvPicPr>
+            <a:picLocks noChangeAspect="1"/>
+          </p:cNvPicPr>
+          <p:nvPr/>
+        </p:nvPicPr>
+        <p:blipFill>
+          <a:blip r:embed="rId16" cstate="print">
+            <a:extLst>
+              <a:ext uri="{28A0092B-C50C-407E-A947-70E740481C1C}">
+                <a14:useLocalDpi xmlns:a14="http://schemas.microsoft.com/office/drawing/2010/main" val="0"/>
+              </a:ext>
+            </a:extLst>
+          </a:blip>
+          <a:stretch>
+            <a:fillRect/>
+          </a:stretch>
+        </p:blipFill>
+        <p:spPr>
+          <a:xfrm>
+            <a:off x="4419600" y="0"/>
+            <a:ext cx="1276350" cy="1276350"/>
+          </a:xfrm>
+          <a:prstGeom prst="rect">
+            <a:avLst/>
+          </a:prstGeom>
+        </p:spPr>
+      </p:pic>
+      <p:pic>
+        <p:nvPicPr>
+          <p:cNvPr id="37" name="Grafik 36"/>
+          <p:cNvPicPr>
+            <a:picLocks noChangeAspect="1"/>
+          </p:cNvPicPr>
+          <p:nvPr/>
+        </p:nvPicPr>
+        <p:blipFill>
+          <a:blip r:embed="rId17">
+            <a:extLst>
+              <a:ext uri="{28A0092B-C50C-407E-A947-70E740481C1C}">
+                <a14:useLocalDpi xmlns:a14="http://schemas.microsoft.com/office/drawing/2010/main" val="0"/>
+              </a:ext>
+            </a:extLst>
+          </a:blip>
+          <a:stretch>
+            <a:fillRect/>
+          </a:stretch>
+        </p:blipFill>
+        <p:spPr>
+          <a:xfrm>
+            <a:off x="6365394" y="3801449"/>
+            <a:ext cx="1056301" cy="1056301"/>
+          </a:xfrm>
+          <a:prstGeom prst="rect">
+            <a:avLst/>
+          </a:prstGeom>
+        </p:spPr>
+      </p:pic>
+      <p:sp>
+        <p:nvSpPr>
+          <p:cNvPr id="38" name="Textfeld 37"/>
+          <p:cNvSpPr txBox="1"/>
+          <p:nvPr/>
+        </p:nvSpPr>
+        <p:spPr>
+          <a:xfrm>
+            <a:off x="457200" y="4491030"/>
+            <a:ext cx="2014462" cy="369332"/>
+          </a:xfrm>
+          <a:prstGeom prst="rect">
+            <a:avLst/>
+          </a:prstGeom>
+          <a:noFill/>
+        </p:spPr>
+        <p:txBody>
+          <a:bodyPr wrap="none" rtlCol="0">
+            <a:spAutoFit/>
+          </a:bodyPr>
+          <a:lstStyle/>
+          <a:p>
+            <a:r>
+              <a:rPr lang="en-US" b="1" dirty="0" smtClean="0"/>
+              <a:t>Total</a:t>
+            </a:r>
+            <a:r>
+              <a:rPr lang="en-US" dirty="0" smtClean="0"/>
+              <a:t>: 60 references</a:t>
+            </a:r>
+            <a:endParaRPr lang="en-US" dirty="0"/>
+          </a:p>
+        </p:txBody>
+      </p:sp>
+    </p:spTree>
+    <p:extLst>
+      <p:ext uri="{BB962C8B-B14F-4D97-AF65-F5344CB8AC3E}">
+        <p14:creationId xmlns:p14="http://schemas.microsoft.com/office/powerpoint/2010/main" val="4035978030"/>
+      </p:ext>
+    </p:extLst>
+  </p:cSld>
+  <p:clrMapOvr>
+    <a:masterClrMapping/>
+  </p:clrMapOvr>
+  <p:timing>
+    <p:tnLst>
+      <p:par>
+        <p:cTn id="1" dur="indefinite" restart="never" nodeType="tmRoot">
+          <p:childTnLst>
+            <p:seq concurrent="1" nextAc="seek">
+              <p:cTn id="2" dur="indefinite" nodeType="mainSeq">
+                <p:childTnLst>
+                  <p:par>
+                    <p:cTn id="3" fill="hold">
+                      <p:stCondLst>
+                        <p:cond delay="indefinite"/>
+                        <p:cond evt="onBegin" delay="0">
+                          <p:tn val="2"/>
+                        </p:cond>
+                      </p:stCondLst>
+                      <p:childTnLst>
+                        <p:par>
+                          <p:cTn id="4" fill="hold">
+                            <p:stCondLst>
+                              <p:cond delay="0"/>
+                            </p:stCondLst>
+                            <p:childTnLst>
+                              <p:par>
+                                <p:cTn id="5" presetID="10" presetClass="entr" presetSubtype="0" fill="hold" grpId="0" nodeType="afterEffect">
+                                  <p:stCondLst>
+                                    <p:cond delay="0"/>
+                                  </p:stCondLst>
+                                  <p:childTnLst>
+                                    <p:set>
+                                      <p:cBhvr>
+                                        <p:cTn id="6" dur="1" fill="hold">
+                                          <p:stCondLst>
+                                            <p:cond delay="0"/>
+                                          </p:stCondLst>
+                                        </p:cTn>
+                                        <p:tgtEl>
+                                          <p:spTgt spid="26"/>
+                                        </p:tgtEl>
+                                        <p:attrNameLst>
+                                          <p:attrName>style.visibility</p:attrName>
+                                        </p:attrNameLst>
+                                      </p:cBhvr>
+                                      <p:to>
+                                        <p:strVal val="visible"/>
+                                      </p:to>
+                                    </p:set>
+                                    <p:animEffect transition="in" filter="fade">
+                                      <p:cBhvr>
+                                        <p:cTn id="7" dur="500"/>
+                                        <p:tgtEl>
+                                          <p:spTgt spid="26"/>
+                                        </p:tgtEl>
+                                      </p:cBhvr>
+                                    </p:animEffect>
+                                  </p:childTnLst>
+                                </p:cTn>
+                              </p:par>
+                            </p:childTnLst>
+                          </p:cTn>
+                        </p:par>
+                      </p:childTnLst>
+                    </p:cTn>
+                  </p:par>
+                </p:childTnLst>
+              </p:cTn>
+              <p:prevCondLst>
+                <p:cond evt="onPrev" delay="0">
+                  <p:tgtEl>
+                    <p:sldTgt/>
+                  </p:tgtEl>
+                </p:cond>
+              </p:prevCondLst>
+              <p:nextCondLst>
+                <p:cond evt="onNext" delay="0">
+                  <p:tgtEl>
+                    <p:sldTgt/>
+                  </p:tgtEl>
+                </p:cond>
+              </p:nextCondLst>
+            </p:seq>
+          </p:childTnLst>
+        </p:cTn>
+      </p:par>
+    </p:tnLst>
+    <p:bldLst>
+      <p:bldP spid="26" grpId="0"/>
+    </p:bldLst>
+  </p:timing>
+</p:sld>
+</file>
+
+<file path=ppt/slides/slide4.xml><?xml version="1.0" encoding="utf-8"?>
 <p:sld xmlns:a="http://schemas.openxmlformats.org/drawingml/2006/main" xmlns:r="http://schemas.openxmlformats.org/officeDocument/2006/relationships" xmlns:p="http://schemas.openxmlformats.org/presentationml/2006/main">
   <p:cSld>
     <p:spTree>
@@ -6620,12 +7656,6 @@
               </a:rPr>
               <a:t>Progress</a:t>
             </a:r>
-            <a:endParaRPr lang="en-US" sz="3200" dirty="0" smtClean="0">
-              <a:solidFill>
-                <a:schemeClr val="accent2"/>
-              </a:solidFill>
-              <a:latin typeface="Calibri Light" panose="020F0302020204030204" pitchFamily="34" charset="0"/>
-            </a:endParaRPr>
           </a:p>
         </p:txBody>
       </p:sp>
@@ -6662,14 +7692,6 @@
               </a:rPr>
               <a:t>What we do every week</a:t>
             </a:r>
-            <a:endParaRPr lang="en-US" sz="1600" dirty="0" smtClean="0">
-              <a:solidFill>
-                <a:schemeClr val="bg1">
-                  <a:lumMod val="50000"/>
-                </a:schemeClr>
-              </a:solidFill>
-              <a:latin typeface="Calibri Light" panose="020F0302020204030204" pitchFamily="34" charset="0"/>
-            </a:endParaRPr>
           </a:p>
         </p:txBody>
       </p:sp>
@@ -7075,7 +8097,7 @@
 </p:sld>
 </file>
 
-<file path=ppt/slides/slide4.xml><?xml version="1.0" encoding="utf-8"?>
+<file path=ppt/slides/slide5.xml><?xml version="1.0" encoding="utf-8"?>
 <p:sld xmlns:a="http://schemas.openxmlformats.org/drawingml/2006/main" xmlns:r="http://schemas.openxmlformats.org/officeDocument/2006/relationships" xmlns:p="http://schemas.openxmlformats.org/presentationml/2006/main">
   <p:cSld>
     <p:spTree>
@@ -8757,7 +9779,7 @@
 </p:sld>
 </file>
 
-<file path=ppt/slides/slide5.xml><?xml version="1.0" encoding="utf-8"?>
+<file path=ppt/slides/slide6.xml><?xml version="1.0" encoding="utf-8"?>
 <p:sld xmlns:a="http://schemas.openxmlformats.org/drawingml/2006/main" xmlns:r="http://schemas.openxmlformats.org/officeDocument/2006/relationships" xmlns:p="http://schemas.openxmlformats.org/presentationml/2006/main">
   <p:cSld>
     <p:spTree>
@@ -9065,9 +10087,6 @@
               </a:rPr>
               <a:t>Cricket</a:t>
             </a:r>
-            <a:endParaRPr lang="en-US" sz="3200" dirty="0" smtClean="0">
-              <a:latin typeface="Calibri Light" panose="020F0302020204030204" pitchFamily="34" charset="0"/>
-            </a:endParaRPr>
           </a:p>
         </p:txBody>
       </p:sp>
@@ -9102,27 +10121,8 @@
                 </a:solidFill>
                 <a:latin typeface="Calibri Light" panose="020F0302020204030204" pitchFamily="34" charset="0"/>
               </a:rPr>
-              <a:t>Why </a:t>
+              <a:t>Why mealworm rocks!</a:t>
             </a:r>
-            <a:r>
-              <a:rPr lang="en-US" sz="1600" dirty="0" smtClean="0">
-                <a:solidFill>
-                  <a:schemeClr val="bg1">
-                    <a:lumMod val="50000"/>
-                  </a:schemeClr>
-                </a:solidFill>
-                <a:latin typeface="Calibri Light" panose="020F0302020204030204" pitchFamily="34" charset="0"/>
-              </a:rPr>
-              <a:t>mealworm rocks!</a:t>
-            </a:r>
-            <a:endParaRPr lang="en-US" sz="1600" dirty="0" smtClean="0">
-              <a:solidFill>
-                <a:schemeClr val="bg1">
-                  <a:lumMod val="50000"/>
-                </a:schemeClr>
-              </a:solidFill>
-              <a:latin typeface="Calibri Light" panose="020F0302020204030204" pitchFamily="34" charset="0"/>
-            </a:endParaRPr>
           </a:p>
         </p:txBody>
       </p:sp>
@@ -11761,7 +12761,7 @@
 </p:sld>
 </file>
 
-<file path=ppt/slides/slide6.xml><?xml version="1.0" encoding="utf-8"?>
+<file path=ppt/slides/slide7.xml><?xml version="1.0" encoding="utf-8"?>
 <p:sld xmlns:a="http://schemas.openxmlformats.org/drawingml/2006/main" xmlns:r="http://schemas.openxmlformats.org/officeDocument/2006/relationships" xmlns:p="http://schemas.openxmlformats.org/presentationml/2006/main">
   <p:cSld>
     <p:spTree>
@@ -11983,12 +12983,6 @@
               </a:rPr>
               <a:t>Size</a:t>
             </a:r>
-            <a:endParaRPr lang="en-US" sz="3200" dirty="0" smtClean="0">
-              <a:solidFill>
-                <a:schemeClr val="accent2"/>
-              </a:solidFill>
-              <a:latin typeface="Calibri Light" panose="020F0302020204030204" pitchFamily="34" charset="0"/>
-            </a:endParaRPr>
           </a:p>
         </p:txBody>
       </p:sp>
@@ -12023,18 +13017,7 @@
                 </a:solidFill>
                 <a:latin typeface="Calibri Light" panose="020F0302020204030204" pitchFamily="34" charset="0"/>
               </a:rPr>
-              <a:t>Ou</a:t>
-            </a:r>
-            <a:r>
-              <a:rPr lang="en-US" altLang="zh-CN" sz="1600" dirty="0" smtClean="0">
-                <a:solidFill>
-                  <a:schemeClr val="bg1">
-                    <a:lumMod val="50000"/>
-                  </a:schemeClr>
-                </a:solidFill>
-                <a:latin typeface="Calibri Light" panose="020F0302020204030204" pitchFamily="34" charset="0"/>
-              </a:rPr>
-              <a:t>r scope</a:t>
+              <a:t>Our scope</a:t>
             </a:r>
             <a:endParaRPr lang="en-US" sz="1600" dirty="0" smtClean="0">
               <a:solidFill>
@@ -13465,7 +14448,7 @@
 </p:sld>
 </file>
 
-<file path=ppt/slides/slide7.xml><?xml version="1.0" encoding="utf-8"?>
+<file path=ppt/slides/slide8.xml><?xml version="1.0" encoding="utf-8"?>
 <p:sld xmlns:a="http://schemas.openxmlformats.org/drawingml/2006/main" xmlns:r="http://schemas.openxmlformats.org/officeDocument/2006/relationships" xmlns:p="http://schemas.openxmlformats.org/presentationml/2006/main">
   <p:cSld>
     <p:spTree>
@@ -14633,7 +15616,7 @@
 </p:sld>
 </file>
 
-<file path=ppt/slides/slide8.xml><?xml version="1.0" encoding="utf-8"?>
+<file path=ppt/slides/slide9.xml><?xml version="1.0" encoding="utf-8"?>
 <p:sld xmlns:a="http://schemas.openxmlformats.org/drawingml/2006/main" xmlns:r="http://schemas.openxmlformats.org/officeDocument/2006/relationships" xmlns:p="http://schemas.openxmlformats.org/presentationml/2006/main">
   <p:cSld>
     <p:spTree>
@@ -16197,209 +17180,29 @@
 </p:sld>
 </file>
 
-<file path=ppt/slides/slide9.xml><?xml version="1.0" encoding="utf-8"?>
-<p:sld xmlns:a="http://schemas.openxmlformats.org/drawingml/2006/main" xmlns:r="http://schemas.openxmlformats.org/officeDocument/2006/relationships" xmlns:p="http://schemas.openxmlformats.org/presentationml/2006/main">
-  <p:cSld>
-    <p:spTree>
-      <p:nvGrpSpPr>
-        <p:cNvPr id="1" name=""/>
-        <p:cNvGrpSpPr/>
-        <p:nvPr/>
-      </p:nvGrpSpPr>
-      <p:grpSpPr>
-        <a:xfrm>
-          <a:off x="0" y="0"/>
-          <a:ext cx="0" cy="0"/>
-          <a:chOff x="0" y="0"/>
-          <a:chExt cx="0" cy="0"/>
-        </a:xfrm>
-      </p:grpSpPr>
-      <p:grpSp>
-        <p:nvGrpSpPr>
-          <p:cNvPr id="2" name="Group 1"/>
-          <p:cNvGrpSpPr/>
-          <p:nvPr/>
-        </p:nvGrpSpPr>
-        <p:grpSpPr>
-          <a:xfrm>
-            <a:off x="0" y="0"/>
-            <a:ext cx="228600" cy="5143500"/>
-            <a:chOff x="0" y="0"/>
-            <a:chExt cx="228600" cy="5143500"/>
-          </a:xfrm>
-        </p:grpSpPr>
-        <p:sp>
-          <p:nvSpPr>
-            <p:cNvPr id="3" name="Rectangle 2"/>
-            <p:cNvSpPr/>
-            <p:nvPr/>
-          </p:nvSpPr>
-          <p:spPr>
-            <a:xfrm>
-              <a:off x="0" y="0"/>
-              <a:ext cx="228600" cy="5143500"/>
-            </a:xfrm>
-            <a:prstGeom prst="rect">
-              <a:avLst/>
-            </a:prstGeom>
-            <a:solidFill>
-              <a:srgbClr val="6DD406"/>
-            </a:solidFill>
-            <a:ln>
-              <a:noFill/>
-            </a:ln>
-          </p:spPr>
-          <p:style>
-            <a:lnRef idx="2">
-              <a:schemeClr val="accent1">
-                <a:shade val="50000"/>
-              </a:schemeClr>
-            </a:lnRef>
-            <a:fillRef idx="1">
-              <a:schemeClr val="accent1"/>
-            </a:fillRef>
-            <a:effectRef idx="0">
-              <a:schemeClr val="accent1"/>
-            </a:effectRef>
-            <a:fontRef idx="minor">
-              <a:schemeClr val="lt1"/>
-            </a:fontRef>
-          </p:style>
-          <p:txBody>
-            <a:bodyPr rtlCol="0" anchor="ctr"/>
-            <a:lstStyle/>
-            <a:p>
-              <a:pPr algn="ctr"/>
-              <a:endParaRPr lang="en-US"/>
-            </a:p>
-          </p:txBody>
-        </p:sp>
-        <p:sp>
-          <p:nvSpPr>
-            <p:cNvPr id="4" name="Rectangle 11"/>
-            <p:cNvSpPr/>
-            <p:nvPr/>
-          </p:nvSpPr>
-          <p:spPr>
-            <a:xfrm>
-              <a:off x="0" y="3180866"/>
-              <a:ext cx="228600" cy="1962634"/>
-            </a:xfrm>
-            <a:custGeom>
-              <a:avLst/>
-              <a:gdLst>
-                <a:gd name="connsiteX0" fmla="*/ 0 w 228600"/>
-                <a:gd name="connsiteY0" fmla="*/ 0 h 5143500"/>
-                <a:gd name="connsiteX1" fmla="*/ 228600 w 228600"/>
-                <a:gd name="connsiteY1" fmla="*/ 0 h 5143500"/>
-                <a:gd name="connsiteX2" fmla="*/ 228600 w 228600"/>
-                <a:gd name="connsiteY2" fmla="*/ 5143500 h 5143500"/>
-                <a:gd name="connsiteX3" fmla="*/ 0 w 228600"/>
-                <a:gd name="connsiteY3" fmla="*/ 5143500 h 5143500"/>
-                <a:gd name="connsiteX4" fmla="*/ 0 w 228600"/>
-                <a:gd name="connsiteY4" fmla="*/ 0 h 5143500"/>
-                <a:gd name="connsiteX0" fmla="*/ 0 w 239751"/>
-                <a:gd name="connsiteY0" fmla="*/ 0 h 5143500"/>
-                <a:gd name="connsiteX1" fmla="*/ 239751 w 239751"/>
-                <a:gd name="connsiteY1" fmla="*/ 959005 h 5143500"/>
-                <a:gd name="connsiteX2" fmla="*/ 228600 w 239751"/>
-                <a:gd name="connsiteY2" fmla="*/ 5143500 h 5143500"/>
-                <a:gd name="connsiteX3" fmla="*/ 0 w 239751"/>
-                <a:gd name="connsiteY3" fmla="*/ 5143500 h 5143500"/>
-                <a:gd name="connsiteX4" fmla="*/ 0 w 239751"/>
-                <a:gd name="connsiteY4" fmla="*/ 0 h 5143500"/>
-              </a:gdLst>
-              <a:ahLst/>
-              <a:cxnLst>
-                <a:cxn ang="0">
-                  <a:pos x="connsiteX0" y="connsiteY0"/>
-                </a:cxn>
-                <a:cxn ang="0">
-                  <a:pos x="connsiteX1" y="connsiteY1"/>
-                </a:cxn>
-                <a:cxn ang="0">
-                  <a:pos x="connsiteX2" y="connsiteY2"/>
-                </a:cxn>
-                <a:cxn ang="0">
-                  <a:pos x="connsiteX3" y="connsiteY3"/>
-                </a:cxn>
-                <a:cxn ang="0">
-                  <a:pos x="connsiteX4" y="connsiteY4"/>
-                </a:cxn>
-              </a:cxnLst>
-              <a:rect l="l" t="t" r="r" b="b"/>
-              <a:pathLst>
-                <a:path w="239751" h="5143500">
-                  <a:moveTo>
-                    <a:pt x="0" y="0"/>
-                  </a:moveTo>
-                  <a:lnTo>
-                    <a:pt x="239751" y="959005"/>
-                  </a:lnTo>
-                  <a:lnTo>
-                    <a:pt x="228600" y="5143500"/>
-                  </a:lnTo>
-                  <a:lnTo>
-                    <a:pt x="0" y="5143500"/>
-                  </a:lnTo>
-                  <a:lnTo>
-                    <a:pt x="0" y="0"/>
-                  </a:lnTo>
-                  <a:close/>
-                </a:path>
-              </a:pathLst>
-            </a:custGeom>
-            <a:solidFill>
-              <a:srgbClr val="5AAF05"/>
-            </a:solidFill>
-            <a:ln>
-              <a:noFill/>
-            </a:ln>
-          </p:spPr>
-          <p:style>
-            <a:lnRef idx="2">
-              <a:schemeClr val="accent1">
-                <a:shade val="50000"/>
-              </a:schemeClr>
-            </a:lnRef>
-            <a:fillRef idx="1">
-              <a:schemeClr val="accent1"/>
-            </a:fillRef>
-            <a:effectRef idx="0">
-              <a:schemeClr val="accent1"/>
-            </a:effectRef>
-            <a:fontRef idx="minor">
-              <a:schemeClr val="lt1"/>
-            </a:fontRef>
-          </p:style>
-          <p:txBody>
-            <a:bodyPr rtlCol="0" anchor="ctr"/>
-            <a:lstStyle/>
-            <a:p>
-              <a:pPr algn="ctr"/>
-              <a:endParaRPr lang="en-US"/>
-            </a:p>
-          </p:txBody>
-        </p:sp>
-      </p:grpSp>
-    </p:spTree>
-    <p:extLst>
-      <p:ext uri="{BB962C8B-B14F-4D97-AF65-F5344CB8AC3E}">
-        <p14:creationId xmlns:p14="http://schemas.microsoft.com/office/powerpoint/2010/main" val="4035978030"/>
-      </p:ext>
-    </p:extLst>
-  </p:cSld>
-  <p:clrMapOvr>
-    <a:masterClrMapping/>
-  </p:clrMapOvr>
-  <p:timing>
-    <p:tnLst>
-      <p:par>
-        <p:cTn id="1" dur="indefinite" restart="never" nodeType="tmRoot"/>
-      </p:par>
-    </p:tnLst>
-  </p:timing>
-</p:sld>
+<file path=ppt/tags/tag1.xml><?xml version="1.0" encoding="utf-8"?>
+<p:tagLst xmlns:a="http://schemas.openxmlformats.org/drawingml/2006/main" xmlns:r="http://schemas.openxmlformats.org/officeDocument/2006/relationships" xmlns:p="http://schemas.openxmlformats.org/presentationml/2006/main">
+  <p:tag name="THINKCELLPRESENTATIONDONOTDELETE" val="&lt;?xml version=&quot;1.0&quot; encoding=&quot;UTF-16&quot; standalone=&quot;yes&quot;?&gt;&#10;&lt;root reqver=&quot;21047&quot;&gt;&lt;version val=&quot;23252&quot;/&gt;&lt;CPresentation id=&quot;1&quot;&gt;&lt;m_precDefaultNumber&gt;&lt;m_bNumberIsYear val=&quot;1&quot;/&gt;&lt;m_chMinusSymbol&gt;-&lt;/m_chMinusSymbol&gt;&lt;m_chDecimalSymbol17909&gt;,&lt;/m_chDecimalSymbol17909&gt;&lt;m_nGroupingDigits17909 val=&quot;3&quot;/&gt;&lt;m_chGroupingSymbol17909&gt;.&lt;/m_chGroupingSymbol17909&gt;&lt;/m_precDefaultNumber&gt;&lt;m_precDefaultPercent&gt;&lt;m_bNumberIsYear val=&quot;1&quot;/&gt;&lt;m_chMinusSymbol&gt;-&lt;/m_chMinusSymbol&gt;&lt;m_nDecimalDigits17909 val=&quot;0&quot;/&gt;&lt;m_chDecimalSymbol17909&gt;,&lt;/m_chDecimalSymbol17909&gt;&lt;m_nGroupingDigits17909 val=&quot;3&quot;/&gt;&lt;m_chGroupingSymbol17909&gt;.&lt;/m_chGroupingSymbol17909&gt;&lt;m_strSuffix17909&gt;%&lt;/m_strSuffix17909&gt;&lt;/m_precDefaultPercent&gt;&lt;m_precDefaultDate/&gt;&lt;m_precDefaultYear/&gt;&lt;m_precDefaultQuarter/&gt;&lt;m_precDefaultMonth/&gt;&lt;m_precDefaultWeek/&gt;&lt;m_precDefaultDay/&gt;&lt;m_mruColor&gt;&lt;m_vecMRU length=&quot;0&quot;/&gt;&lt;/m_mruColor&gt;&lt;/CPresentation&gt;&lt;/root&gt;"/>
+  <p:tag name="THINKCELLUNDODONOTDELETE" val="0"/>
+</p:tagLst>
+</file>
+
+<file path=ppt/tags/tag2.xml><?xml version="1.0" encoding="utf-8"?>
+<p:tagLst xmlns:a="http://schemas.openxmlformats.org/drawingml/2006/main" xmlns:r="http://schemas.openxmlformats.org/officeDocument/2006/relationships" xmlns:p="http://schemas.openxmlformats.org/presentationml/2006/main">
+  <p:tag name="THINKCELLSHAPEDONOTDELETE" val="thinkcellActiveDocDoNotDelete"/>
+</p:tagLst>
+</file>
+
+<file path=ppt/tags/tag3.xml><?xml version="1.0" encoding="utf-8"?>
+<p:tagLst xmlns:a="http://schemas.openxmlformats.org/drawingml/2006/main" xmlns:r="http://schemas.openxmlformats.org/officeDocument/2006/relationships" xmlns:p="http://schemas.openxmlformats.org/presentationml/2006/main">
+  <p:tag name="THINKCELLSHAPEDONOTDELETE" val="thinkcellActiveDocDoNotDelete"/>
+</p:tagLst>
+</file>
+
+<file path=ppt/tags/tag4.xml><?xml version="1.0" encoding="utf-8"?>
+<p:tagLst xmlns:a="http://schemas.openxmlformats.org/drawingml/2006/main" xmlns:r="http://schemas.openxmlformats.org/officeDocument/2006/relationships" xmlns:p="http://schemas.openxmlformats.org/presentationml/2006/main">
+  <p:tag name="THINKCELLSHAPEDONOTDELETE" val="tS8IF15_HVECl5XZJcsXfEQ"/>
+</p:tagLst>
 </file>
 
 <file path=ppt/theme/theme1.xml><?xml version="1.0" encoding="utf-8"?>

--- a/2ndpresentation.pptx
+++ b/2ndpresentation.pptx
@@ -3756,7 +3756,7 @@
           <a:graphicData uri="http://schemas.openxmlformats.org/presentationml/2006/ole">
             <mc:AlternateContent xmlns:mc="http://schemas.openxmlformats.org/markup-compatibility/2006">
               <mc:Choice xmlns:v="urn:schemas-microsoft-com:vml" Requires="v">
-                <p:oleObj spid="_x0000_s1031" name="think-cell Folie" r:id="rId13" imgW="270" imgH="270" progId="TCLayout.ActiveDocument.1">
+                <p:oleObj spid="_x0000_s1034" name="think-cell Folie" r:id="rId13" imgW="270" imgH="270" progId="TCLayout.ActiveDocument.1">
                   <p:embed/>
                 </p:oleObj>
               </mc:Choice>
@@ -5103,8 +5103,17 @@
                 </a:solidFill>
                 <a:latin typeface="Franklin Gothic Heavy" panose="020B0903020102020204" pitchFamily="34" charset="0"/>
               </a:rPr>
-              <a:t>David . M.</a:t>
+              <a:t>David  M.</a:t>
             </a:r>
+            <a:endParaRPr lang="en-US" dirty="0" smtClean="0">
+              <a:solidFill>
+                <a:schemeClr val="tx1">
+                  <a:lumMod val="85000"/>
+                  <a:lumOff val="15000"/>
+                </a:schemeClr>
+              </a:solidFill>
+              <a:latin typeface="Franklin Gothic Heavy" panose="020B0903020102020204" pitchFamily="34" charset="0"/>
+            </a:endParaRPr>
           </a:p>
           <a:p>
             <a:r>
@@ -5491,38 +5500,34 @@
           </p:cNvPicPr>
           <p:nvPr/>
         </p:nvPicPr>
-        <p:blipFill rotWithShape="1">
-          <a:blip r:embed="rId5">
+        <p:blipFill>
+          <a:blip r:embed="rId11">
+            <a:duotone>
+              <a:prstClr val="black"/>
+              <a:schemeClr val="tx2">
+                <a:tint val="45000"/>
+                <a:satMod val="400000"/>
+              </a:schemeClr>
+            </a:duotone>
             <a:extLst>
-              <a:ext uri="{BEBA8EAE-BF5A-486C-A8C5-ECC9F3942E4B}">
-                <a14:imgProps xmlns:a14="http://schemas.microsoft.com/office/drawing/2010/main">
-                  <a14:imgLayer r:embed="rId6">
-                    <a14:imgEffect>
-                      <a14:saturation sat="0"/>
-                    </a14:imgEffect>
-                  </a14:imgLayer>
-                </a14:imgProps>
-              </a:ext>
               <a:ext uri="{28A0092B-C50C-407E-A947-70E740481C1C}">
                 <a14:useLocalDpi xmlns:a14="http://schemas.microsoft.com/office/drawing/2010/main" val="0"/>
               </a:ext>
             </a:extLst>
           </a:blip>
-          <a:srcRect l="25538" t="1666" r="20194" b="47020"/>
-          <a:stretch/>
+          <a:stretch>
+            <a:fillRect/>
+          </a:stretch>
         </p:blipFill>
         <p:spPr>
           <a:xfrm>
-            <a:off x="7316196" y="1704650"/>
-            <a:ext cx="1446804" cy="1386775"/>
+            <a:off x="7346210" y="1704650"/>
+            <a:ext cx="1386775" cy="1386775"/>
           </a:xfrm>
           <a:prstGeom prst="rect">
             <a:avLst/>
           </a:prstGeom>
-          <a:ln>
-            <a:noFill/>
-          </a:ln>
-          <a:effectLst/>
+          <a:noFill/>
         </p:spPr>
       </p:pic>
       <p:sp>
@@ -6634,7 +6639,7 @@
           <a:graphicData uri="http://schemas.openxmlformats.org/presentationml/2006/ole">
             <mc:AlternateContent xmlns:mc="http://schemas.openxmlformats.org/markup-compatibility/2006">
               <mc:Choice xmlns:v="urn:schemas-microsoft-com:vml" Requires="v">
-                <p:oleObj spid="_x0000_s2058" name="think-cell Folie" r:id="rId5" imgW="270" imgH="270" progId="TCLayout.ActiveDocument.1">
+                <p:oleObj spid="_x0000_s2061" name="think-cell Folie" r:id="rId5" imgW="270" imgH="270" progId="TCLayout.ActiveDocument.1">
                   <p:embed/>
                 </p:oleObj>
               </mc:Choice>

--- a/2ndpresentation.pptx
+++ b/2ndpresentation.pptx
@@ -380,7 +380,7 @@
             <a:fld id="{A8ADFD5B-A66C-449C-B6E8-FB716D07777D}" type="datetimeFigureOut">
               <a:rPr lang="en-US" smtClean="0"/>
               <a:pPr/>
-              <a:t>4/13/2015</a:t>
+              <a:t>4/14/2015</a:t>
             </a:fld>
             <a:endParaRPr lang="en-US"/>
           </a:p>
@@ -1419,7 +1419,7 @@
                 </a:solidFill>
               </a:rPr>
               <a:pPr algn="ctr"/>
-              <a:t>4/13/2015</a:t>
+              <a:t>4/14/2015</a:t>
             </a:fld>
             <a:endParaRPr lang="en-US" sz="2000" dirty="0">
               <a:solidFill>
@@ -1616,7 +1616,7 @@
             <a:fld id="{E4606EA6-EFEA-4C30-9264-4F9291A5780D}" type="datetime1">
               <a:rPr lang="en-US" smtClean="0"/>
               <a:pPr/>
-              <a:t>4/13/2015</a:t>
+              <a:t>4/14/2015</a:t>
             </a:fld>
             <a:endParaRPr lang="en-US"/>
           </a:p>
@@ -2047,7 +2047,7 @@
             <a:fld id="{6FCF9F07-3BC7-4570-B054-79111B0A380C}" type="datetime1">
               <a:rPr lang="en-US" smtClean="0"/>
               <a:pPr/>
-              <a:t>4/13/2015</a:t>
+              <a:t>4/14/2015</a:t>
             </a:fld>
             <a:endParaRPr lang="en-US"/>
           </a:p>
@@ -2311,7 +2311,7 @@
             <a:fld id="{E4606EA6-EFEA-4C30-9264-4F9291A5780D}" type="datetime1">
               <a:rPr lang="en-US" smtClean="0"/>
               <a:pPr/>
-              <a:t>4/13/2015</a:t>
+              <a:t>4/14/2015</a:t>
             </a:fld>
             <a:endParaRPr lang="en-US"/>
           </a:p>
@@ -2565,7 +2565,7 @@
             <a:fld id="{E4606EA6-EFEA-4C30-9264-4F9291A5780D}" type="datetime1">
               <a:rPr lang="en-US" smtClean="0"/>
               <a:pPr/>
-              <a:t>4/13/2015</a:t>
+              <a:t>4/14/2015</a:t>
             </a:fld>
             <a:endParaRPr lang="en-US"/>
           </a:p>
@@ -2777,7 +2777,7 @@
             <a:fld id="{6DFADB5D-B7A0-47E3-AD2D-B1A6F8614213}" type="datetime1">
               <a:rPr lang="en-US" smtClean="0"/>
               <a:pPr/>
-              <a:t>4/13/2015</a:t>
+              <a:t>4/14/2015</a:t>
             </a:fld>
             <a:endParaRPr lang="en-US"/>
           </a:p>
@@ -2890,7 +2890,7 @@
             <a:fld id="{72968126-03FC-49C0-B9B8-2B561CCC3D90}" type="datetime1">
               <a:rPr lang="en-US" smtClean="0"/>
               <a:pPr/>
-              <a:t>4/13/2015</a:t>
+              <a:t>4/14/2015</a:t>
             </a:fld>
             <a:endParaRPr lang="en-US"/>
           </a:p>
@@ -3042,7 +3042,7 @@
             <a:fld id="{F49A8198-4617-485E-9585-4840B69DBBA6}" type="datetime1">
               <a:rPr lang="en-US" smtClean="0"/>
               <a:pPr/>
-              <a:t>4/13/2015</a:t>
+              <a:t>4/14/2015</a:t>
             </a:fld>
             <a:endParaRPr lang="en-US"/>
           </a:p>
@@ -3630,7 +3630,7 @@
             <a:fld id="{E4606EA6-EFEA-4C30-9264-4F9291A5780D}" type="datetime1">
               <a:rPr lang="en-US" smtClean="0"/>
               <a:pPr/>
-              <a:t>4/13/2015</a:t>
+              <a:t>4/14/2015</a:t>
             </a:fld>
             <a:endParaRPr lang="en-US"/>
           </a:p>
@@ -3756,7 +3756,7 @@
           <a:graphicData uri="http://schemas.openxmlformats.org/presentationml/2006/ole">
             <mc:AlternateContent xmlns:mc="http://schemas.openxmlformats.org/markup-compatibility/2006">
               <mc:Choice xmlns:v="urn:schemas-microsoft-com:vml" Requires="v">
-                <p:oleObj spid="_x0000_s1034" name="think-cell Folie" r:id="rId13" imgW="270" imgH="270" progId="TCLayout.ActiveDocument.1">
+                <p:oleObj spid="_x0000_s1035" name="think-cell Folie" r:id="rId13" imgW="270" imgH="270" progId="TCLayout.ActiveDocument.1">
                   <p:embed/>
                 </p:oleObj>
               </mc:Choice>
@@ -3890,7 +3890,7 @@
             <a:fld id="{E4606EA6-EFEA-4C30-9264-4F9291A5780D}" type="datetime1">
               <a:rPr lang="en-US" smtClean="0"/>
               <a:pPr/>
-              <a:t>4/13/2015</a:t>
+              <a:t>4/14/2015</a:t>
             </a:fld>
             <a:endParaRPr lang="en-US" sz="1400" dirty="0">
               <a:solidFill>
@@ -5105,15 +5105,6 @@
               </a:rPr>
               <a:t>David  M.</a:t>
             </a:r>
-            <a:endParaRPr lang="en-US" dirty="0" smtClean="0">
-              <a:solidFill>
-                <a:schemeClr val="tx1">
-                  <a:lumMod val="85000"/>
-                  <a:lumOff val="15000"/>
-                </a:schemeClr>
-              </a:solidFill>
-              <a:latin typeface="Franklin Gothic Heavy" panose="020B0903020102020204" pitchFamily="34" charset="0"/>
-            </a:endParaRPr>
           </a:p>
           <a:p>
             <a:r>
@@ -6639,7 +6630,7 @@
           <a:graphicData uri="http://schemas.openxmlformats.org/presentationml/2006/ole">
             <mc:AlternateContent xmlns:mc="http://schemas.openxmlformats.org/markup-compatibility/2006">
               <mc:Choice xmlns:v="urn:schemas-microsoft-com:vml" Requires="v">
-                <p:oleObj spid="_x0000_s2061" name="think-cell Folie" r:id="rId5" imgW="270" imgH="270" progId="TCLayout.ActiveDocument.1">
+                <p:oleObj spid="_x0000_s2062" name="think-cell Folie" r:id="rId5" imgW="270" imgH="270" progId="TCLayout.ActiveDocument.1">
                   <p:embed/>
                 </p:oleObj>
               </mc:Choice>
@@ -7212,7 +7203,7 @@
           </p:cNvPicPr>
           <p:nvPr/>
         </p:nvPicPr>
-        <p:blipFill>
+        <p:blipFill rotWithShape="1">
           <a:blip r:embed="rId16" cstate="print">
             <a:extLst>
               <a:ext uri="{28A0092B-C50C-407E-A947-70E740481C1C}">
@@ -7220,14 +7211,13 @@
               </a:ext>
             </a:extLst>
           </a:blip>
-          <a:stretch>
-            <a:fillRect/>
-          </a:stretch>
+          <a:srcRect t="27386" b="32524"/>
+          <a:stretch/>
         </p:blipFill>
         <p:spPr>
           <a:xfrm>
-            <a:off x="4419600" y="0"/>
-            <a:ext cx="1276350" cy="1276350"/>
+            <a:off x="4419600" y="349537"/>
+            <a:ext cx="1276350" cy="511700"/>
           </a:xfrm>
           <a:prstGeom prst="rect">
             <a:avLst/>

--- a/2ndpresentation.pptx
+++ b/2ndpresentation.pptx
@@ -380,7 +380,7 @@
             <a:fld id="{A8ADFD5B-A66C-449C-B6E8-FB716D07777D}" type="datetimeFigureOut">
               <a:rPr lang="en-US" smtClean="0"/>
               <a:pPr/>
-              <a:t>4/14/2015</a:t>
+              <a:t>4/15/2015</a:t>
             </a:fld>
             <a:endParaRPr lang="en-US"/>
           </a:p>
@@ -1419,7 +1419,7 @@
                 </a:solidFill>
               </a:rPr>
               <a:pPr algn="ctr"/>
-              <a:t>4/14/2015</a:t>
+              <a:t>4/15/2015</a:t>
             </a:fld>
             <a:endParaRPr lang="en-US" sz="2000" dirty="0">
               <a:solidFill>
@@ -1616,7 +1616,7 @@
             <a:fld id="{E4606EA6-EFEA-4C30-9264-4F9291A5780D}" type="datetime1">
               <a:rPr lang="en-US" smtClean="0"/>
               <a:pPr/>
-              <a:t>4/14/2015</a:t>
+              <a:t>4/15/2015</a:t>
             </a:fld>
             <a:endParaRPr lang="en-US"/>
           </a:p>
@@ -2047,7 +2047,7 @@
             <a:fld id="{6FCF9F07-3BC7-4570-B054-79111B0A380C}" type="datetime1">
               <a:rPr lang="en-US" smtClean="0"/>
               <a:pPr/>
-              <a:t>4/14/2015</a:t>
+              <a:t>4/15/2015</a:t>
             </a:fld>
             <a:endParaRPr lang="en-US"/>
           </a:p>
@@ -2311,7 +2311,7 @@
             <a:fld id="{E4606EA6-EFEA-4C30-9264-4F9291A5780D}" type="datetime1">
               <a:rPr lang="en-US" smtClean="0"/>
               <a:pPr/>
-              <a:t>4/14/2015</a:t>
+              <a:t>4/15/2015</a:t>
             </a:fld>
             <a:endParaRPr lang="en-US"/>
           </a:p>
@@ -2565,7 +2565,7 @@
             <a:fld id="{E4606EA6-EFEA-4C30-9264-4F9291A5780D}" type="datetime1">
               <a:rPr lang="en-US" smtClean="0"/>
               <a:pPr/>
-              <a:t>4/14/2015</a:t>
+              <a:t>4/15/2015</a:t>
             </a:fld>
             <a:endParaRPr lang="en-US"/>
           </a:p>
@@ -2777,7 +2777,7 @@
             <a:fld id="{6DFADB5D-B7A0-47E3-AD2D-B1A6F8614213}" type="datetime1">
               <a:rPr lang="en-US" smtClean="0"/>
               <a:pPr/>
-              <a:t>4/14/2015</a:t>
+              <a:t>4/15/2015</a:t>
             </a:fld>
             <a:endParaRPr lang="en-US"/>
           </a:p>
@@ -2890,7 +2890,7 @@
             <a:fld id="{72968126-03FC-49C0-B9B8-2B561CCC3D90}" type="datetime1">
               <a:rPr lang="en-US" smtClean="0"/>
               <a:pPr/>
-              <a:t>4/14/2015</a:t>
+              <a:t>4/15/2015</a:t>
             </a:fld>
             <a:endParaRPr lang="en-US"/>
           </a:p>
@@ -3042,7 +3042,7 @@
             <a:fld id="{F49A8198-4617-485E-9585-4840B69DBBA6}" type="datetime1">
               <a:rPr lang="en-US" smtClean="0"/>
               <a:pPr/>
-              <a:t>4/14/2015</a:t>
+              <a:t>4/15/2015</a:t>
             </a:fld>
             <a:endParaRPr lang="en-US"/>
           </a:p>
@@ -3630,7 +3630,7 @@
             <a:fld id="{E4606EA6-EFEA-4C30-9264-4F9291A5780D}" type="datetime1">
               <a:rPr lang="en-US" smtClean="0"/>
               <a:pPr/>
-              <a:t>4/14/2015</a:t>
+              <a:t>4/15/2015</a:t>
             </a:fld>
             <a:endParaRPr lang="en-US"/>
           </a:p>
@@ -3756,7 +3756,7 @@
           <a:graphicData uri="http://schemas.openxmlformats.org/presentationml/2006/ole">
             <mc:AlternateContent xmlns:mc="http://schemas.openxmlformats.org/markup-compatibility/2006">
               <mc:Choice xmlns:v="urn:schemas-microsoft-com:vml" Requires="v">
-                <p:oleObj spid="_x0000_s1035" name="think-cell Folie" r:id="rId13" imgW="270" imgH="270" progId="TCLayout.ActiveDocument.1">
+                <p:oleObj spid="_x0000_s1036" name="think-cell Folie" r:id="rId13" imgW="270" imgH="270" progId="TCLayout.ActiveDocument.1">
                   <p:embed/>
                 </p:oleObj>
               </mc:Choice>
@@ -3890,7 +3890,7 @@
             <a:fld id="{E4606EA6-EFEA-4C30-9264-4F9291A5780D}" type="datetime1">
               <a:rPr lang="en-US" smtClean="0"/>
               <a:pPr/>
-              <a:t>4/14/2015</a:t>
+              <a:t>4/15/2015</a:t>
             </a:fld>
             <a:endParaRPr lang="en-US" sz="1400" dirty="0">
               <a:solidFill>
@@ -5103,8 +5103,17 @@
                 </a:solidFill>
                 <a:latin typeface="Franklin Gothic Heavy" panose="020B0903020102020204" pitchFamily="34" charset="0"/>
               </a:rPr>
-              <a:t>David  M.</a:t>
+              <a:t>Max</a:t>
             </a:r>
+            <a:endParaRPr lang="en-US" dirty="0" smtClean="0">
+              <a:solidFill>
+                <a:schemeClr val="tx1">
+                  <a:lumMod val="85000"/>
+                  <a:lumOff val="15000"/>
+                </a:schemeClr>
+              </a:solidFill>
+              <a:latin typeface="Franklin Gothic Heavy" panose="020B0903020102020204" pitchFamily="34" charset="0"/>
+            </a:endParaRPr>
           </a:p>
           <a:p>
             <a:r>
@@ -6630,7 +6639,7 @@
           <a:graphicData uri="http://schemas.openxmlformats.org/presentationml/2006/ole">
             <mc:AlternateContent xmlns:mc="http://schemas.openxmlformats.org/markup-compatibility/2006">
               <mc:Choice xmlns:v="urn:schemas-microsoft-com:vml" Requires="v">
-                <p:oleObj spid="_x0000_s2062" name="think-cell Folie" r:id="rId5" imgW="270" imgH="270" progId="TCLayout.ActiveDocument.1">
+                <p:oleObj spid="_x0000_s2063" name="think-cell Folie" r:id="rId5" imgW="270" imgH="270" progId="TCLayout.ActiveDocument.1">
                   <p:embed/>
                 </p:oleObj>
               </mc:Choice>

--- a/2ndpresentation.pptx
+++ b/2ndpresentation.pptx
@@ -915,7 +915,36 @@
           <a:p>
             <a:r>
               <a:rPr lang="en-US" dirty="0" smtClean="0"/>
-              <a:t>Change the “XX” with number, and also the “literature review” and “report” if necessary. This slide shows what we have so far</a:t>
+              <a:t>Change the “XX” with number, and also the “literature review” and “report” if necessary. This slide shows what we have so </a:t>
+            </a:r>
+            <a:r>
+              <a:rPr lang="en-US" dirty="0" smtClean="0"/>
+              <a:t>far</a:t>
+            </a:r>
+          </a:p>
+          <a:p>
+            <a:endParaRPr lang="en-US" dirty="0" smtClean="0"/>
+          </a:p>
+          <a:p>
+            <a:r>
+              <a:rPr lang="en-US" dirty="0" smtClean="0"/>
+              <a:t>Maybe a </a:t>
+            </a:r>
+            <a:r>
+              <a:rPr lang="en-US" dirty="0" err="1" smtClean="0"/>
+              <a:t>git</a:t>
+            </a:r>
+            <a:r>
+              <a:rPr lang="en-US" dirty="0" smtClean="0"/>
+              <a:t> screenshot</a:t>
+            </a:r>
+            <a:r>
+              <a:rPr lang="en-US" baseline="0" dirty="0" smtClean="0"/>
+              <a:t> would be nice to see our </a:t>
+            </a:r>
+            <a:r>
+              <a:rPr lang="en-US" baseline="0" smtClean="0"/>
+              <a:t>constant progress</a:t>
             </a:r>
             <a:endParaRPr lang="en-US" dirty="0"/>
           </a:p>
@@ -3756,7 +3785,7 @@
           <a:graphicData uri="http://schemas.openxmlformats.org/presentationml/2006/ole">
             <mc:AlternateContent xmlns:mc="http://schemas.openxmlformats.org/markup-compatibility/2006">
               <mc:Choice xmlns:v="urn:schemas-microsoft-com:vml" Requires="v">
-                <p:oleObj spid="_x0000_s1036" name="think-cell Folie" r:id="rId13" imgW="270" imgH="270" progId="TCLayout.ActiveDocument.1">
+                <p:oleObj spid="_x0000_s1039" name="think-cell Folie" r:id="rId13" imgW="270" imgH="270" progId="TCLayout.ActiveDocument.1">
                   <p:embed/>
                 </p:oleObj>
               </mc:Choice>
@@ -5562,8 +5591,17 @@
                 </a:solidFill>
                 <a:latin typeface="Franklin Gothic Heavy" panose="020B0903020102020204" pitchFamily="34" charset="0"/>
               </a:rPr>
-              <a:t>Mathias</a:t>
+              <a:t>Matthias</a:t>
             </a:r>
+            <a:endParaRPr lang="en-US" dirty="0" smtClean="0">
+              <a:solidFill>
+                <a:schemeClr val="tx1">
+                  <a:lumMod val="85000"/>
+                  <a:lumOff val="15000"/>
+                </a:schemeClr>
+              </a:solidFill>
+              <a:latin typeface="Franklin Gothic Heavy" panose="020B0903020102020204" pitchFamily="34" charset="0"/>
+            </a:endParaRPr>
           </a:p>
           <a:p>
             <a:r>
@@ -6639,7 +6677,7 @@
           <a:graphicData uri="http://schemas.openxmlformats.org/presentationml/2006/ole">
             <mc:AlternateContent xmlns:mc="http://schemas.openxmlformats.org/markup-compatibility/2006">
               <mc:Choice xmlns:v="urn:schemas-microsoft-com:vml" Requires="v">
-                <p:oleObj spid="_x0000_s2063" name="think-cell Folie" r:id="rId5" imgW="270" imgH="270" progId="TCLayout.ActiveDocument.1">
+                <p:oleObj spid="_x0000_s2066" name="think-cell Folie" r:id="rId5" imgW="270" imgH="270" progId="TCLayout.ActiveDocument.1">
                   <p:embed/>
                 </p:oleObj>
               </mc:Choice>
